--- a/ppt/Projekt.pptx
+++ b/ppt/Projekt.pptx
@@ -106,6 +106,11 @@
       </a:defRPr>
     </a:lvl9pPr>
   </p:defaultTextStyle>
+  <p:extLst>
+    <p:ext uri="{EFAFB233-063F-42B5-8137-9DF3F51BA10A}">
+      <p15:sldGuideLst xmlns:p15="http://schemas.microsoft.com/office/powerpoint/2012/main"/>
+    </p:ext>
+  </p:extLst>
 </p:presentation>
 </file>
 
@@ -256,7 +261,7 @@
           <a:p>
             <a:fld id="{60759D5F-4080-4A0F-897B-9D9E371404A5}" type="datetimeFigureOut">
               <a:rPr lang="hu-HU" smtClean="0"/>
-              <a:t>2022. 03. 31.</a:t>
+              <a:t>2022. 04. 03.</a:t>
             </a:fld>
             <a:endParaRPr lang="hu-HU"/>
           </a:p>
@@ -454,7 +459,7 @@
           <a:p>
             <a:fld id="{60759D5F-4080-4A0F-897B-9D9E371404A5}" type="datetimeFigureOut">
               <a:rPr lang="hu-HU" smtClean="0"/>
-              <a:t>2022. 03. 31.</a:t>
+              <a:t>2022. 04. 03.</a:t>
             </a:fld>
             <a:endParaRPr lang="hu-HU"/>
           </a:p>
@@ -662,7 +667,7 @@
           <a:p>
             <a:fld id="{60759D5F-4080-4A0F-897B-9D9E371404A5}" type="datetimeFigureOut">
               <a:rPr lang="hu-HU" smtClean="0"/>
-              <a:t>2022. 03. 31.</a:t>
+              <a:t>2022. 04. 03.</a:t>
             </a:fld>
             <a:endParaRPr lang="hu-HU"/>
           </a:p>
@@ -860,7 +865,7 @@
           <a:p>
             <a:fld id="{60759D5F-4080-4A0F-897B-9D9E371404A5}" type="datetimeFigureOut">
               <a:rPr lang="hu-HU" smtClean="0"/>
-              <a:t>2022. 03. 31.</a:t>
+              <a:t>2022. 04. 03.</a:t>
             </a:fld>
             <a:endParaRPr lang="hu-HU"/>
           </a:p>
@@ -1135,7 +1140,7 @@
           <a:p>
             <a:fld id="{60759D5F-4080-4A0F-897B-9D9E371404A5}" type="datetimeFigureOut">
               <a:rPr lang="hu-HU" smtClean="0"/>
-              <a:t>2022. 03. 31.</a:t>
+              <a:t>2022. 04. 03.</a:t>
             </a:fld>
             <a:endParaRPr lang="hu-HU"/>
           </a:p>
@@ -1400,7 +1405,7 @@
           <a:p>
             <a:fld id="{60759D5F-4080-4A0F-897B-9D9E371404A5}" type="datetimeFigureOut">
               <a:rPr lang="hu-HU" smtClean="0"/>
-              <a:t>2022. 03. 31.</a:t>
+              <a:t>2022. 04. 03.</a:t>
             </a:fld>
             <a:endParaRPr lang="hu-HU"/>
           </a:p>
@@ -1812,7 +1817,7 @@
           <a:p>
             <a:fld id="{60759D5F-4080-4A0F-897B-9D9E371404A5}" type="datetimeFigureOut">
               <a:rPr lang="hu-HU" smtClean="0"/>
-              <a:t>2022. 03. 31.</a:t>
+              <a:t>2022. 04. 03.</a:t>
             </a:fld>
             <a:endParaRPr lang="hu-HU"/>
           </a:p>
@@ -1953,7 +1958,7 @@
           <a:p>
             <a:fld id="{60759D5F-4080-4A0F-897B-9D9E371404A5}" type="datetimeFigureOut">
               <a:rPr lang="hu-HU" smtClean="0"/>
-              <a:t>2022. 03. 31.</a:t>
+              <a:t>2022. 04. 03.</a:t>
             </a:fld>
             <a:endParaRPr lang="hu-HU"/>
           </a:p>
@@ -2066,7 +2071,7 @@
           <a:p>
             <a:fld id="{60759D5F-4080-4A0F-897B-9D9E371404A5}" type="datetimeFigureOut">
               <a:rPr lang="hu-HU" smtClean="0"/>
-              <a:t>2022. 03. 31.</a:t>
+              <a:t>2022. 04. 03.</a:t>
             </a:fld>
             <a:endParaRPr lang="hu-HU"/>
           </a:p>
@@ -2377,7 +2382,7 @@
           <a:p>
             <a:fld id="{60759D5F-4080-4A0F-897B-9D9E371404A5}" type="datetimeFigureOut">
               <a:rPr lang="hu-HU" smtClean="0"/>
-              <a:t>2022. 03. 31.</a:t>
+              <a:t>2022. 04. 03.</a:t>
             </a:fld>
             <a:endParaRPr lang="hu-HU"/>
           </a:p>
@@ -2665,7 +2670,7 @@
           <a:p>
             <a:fld id="{60759D5F-4080-4A0F-897B-9D9E371404A5}" type="datetimeFigureOut">
               <a:rPr lang="hu-HU" smtClean="0"/>
-              <a:t>2022. 03. 31.</a:t>
+              <a:t>2022. 04. 03.</a:t>
             </a:fld>
             <a:endParaRPr lang="hu-HU"/>
           </a:p>
@@ -2936,7 +2941,7 @@
           <a:p>
             <a:fld id="{60759D5F-4080-4A0F-897B-9D9E371404A5}" type="datetimeFigureOut">
               <a:rPr lang="hu-HU" smtClean="0"/>
-              <a:t>2022. 03. 31.</a:t>
+              <a:t>2022. 04. 03.</a:t>
             </a:fld>
             <a:endParaRPr lang="hu-HU"/>
           </a:p>
@@ -3401,10 +3406,17 @@
         </p:nvSpPr>
         <p:spPr/>
         <p:txBody>
-          <a:bodyPr/>
-          <a:lstStyle/>
-          <a:p>
-            <a:endParaRPr lang="hu-HU" dirty="0"/>
+          <a:bodyPr>
+            <a:normAutofit/>
+          </a:bodyPr>
+          <a:lstStyle/>
+          <a:p>
+            <a:r>
+              <a:rPr lang="hu-HU" sz="3600" b="1" dirty="0">
+                <a:latin typeface="Agency FB" panose="020B0503020202020204" pitchFamily="34" charset="0"/>
+              </a:rPr>
+              <a:t>Készítette: Bartha Bende, Schmitzhofer Pál</a:t>
+            </a:r>
           </a:p>
         </p:txBody>
       </p:sp>
@@ -3693,7 +3705,7 @@
         <p:spPr>
           <a:xfrm>
             <a:off x="6523630" y="1825625"/>
-            <a:ext cx="5104262" cy="3447098"/>
+            <a:ext cx="5104262" cy="2215991"/>
           </a:xfrm>
           <a:prstGeom prst="rect">
             <a:avLst/>
@@ -3705,30 +3717,6 @@
             <a:spAutoFit/>
           </a:bodyPr>
           <a:lstStyle/>
-          <a:p>
-            <a:pPr marL="285750" indent="-285750">
-              <a:buFont typeface="Arial" panose="020B0604020202020204" pitchFamily="34" charset="0"/>
-              <a:buChar char="•"/>
-            </a:pPr>
-            <a:r>
-              <a:rPr lang="hu-HU" sz="4000" b="1" dirty="0">
-                <a:latin typeface="Agency FB" panose="020B0503020202020204" pitchFamily="34" charset="0"/>
-              </a:rPr>
-              <a:t>Mercedes oldalban segítés</a:t>
-            </a:r>
-          </a:p>
-          <a:p>
-            <a:pPr marL="285750" indent="-285750">
-              <a:buFont typeface="Arial" panose="020B0604020202020204" pitchFamily="34" charset="0"/>
-              <a:buChar char="•"/>
-            </a:pPr>
-            <a:r>
-              <a:rPr lang="hu-HU" sz="4000" b="1" dirty="0">
-                <a:latin typeface="Agency FB" panose="020B0503020202020204" pitchFamily="34" charset="0"/>
-              </a:rPr>
-              <a:t>Red Bull oldalban segítés</a:t>
-            </a:r>
-          </a:p>
           <a:p>
             <a:pPr marL="285750" indent="-285750">
               <a:buFont typeface="Arial" panose="020B0604020202020204" pitchFamily="34" charset="0"/>
